--- a/Etc/企画書/企画書.pptx
+++ b/Etc/企画書/企画書.pptx
@@ -6869,9 +6869,40 @@
             </a:pPr>
             <a:r>
               <a:rPr kumimoji="1" lang="ja-JP" altLang="en-US" sz="3200" dirty="0"/>
-              <a:t>・正しいサイズの状態で、画面から手を離したら成功。</a:t>
-            </a:r>
-            <a:endParaRPr lang="en-US" altLang="ja-JP" sz="3200" dirty="0"/>
+              <a:t>・画面に解答用のボタンを置く。</a:t>
+            </a:r>
+            <a:endParaRPr kumimoji="1" lang="en-US" altLang="ja-JP" sz="3200" dirty="0"/>
+          </a:p>
+          <a:p>
+            <a:pPr marL="0" indent="0">
+              <a:buNone/>
+            </a:pPr>
+            <a:endParaRPr lang="en-US" altLang="ja-JP" sz="2000" dirty="0"/>
+          </a:p>
+          <a:p>
+            <a:pPr marL="0" indent="0">
+              <a:buNone/>
+            </a:pPr>
+            <a:r>
+              <a:rPr kumimoji="1" lang="ja-JP" altLang="en-US" sz="3200" dirty="0"/>
+              <a:t>・正しいサイズでボタンを押すと成功。</a:t>
+            </a:r>
+            <a:endParaRPr kumimoji="1" lang="en-US" altLang="ja-JP" sz="3200" dirty="0"/>
+          </a:p>
+          <a:p>
+            <a:pPr marL="0" indent="0">
+              <a:buNone/>
+            </a:pPr>
+            <a:endParaRPr lang="en-US" altLang="ja-JP" sz="2000" dirty="0"/>
+          </a:p>
+          <a:p>
+            <a:pPr marL="0" indent="0">
+              <a:buNone/>
+            </a:pPr>
+            <a:r>
+              <a:rPr kumimoji="1" lang="ja-JP" altLang="en-US" sz="3200" dirty="0"/>
+              <a:t>・間違ったサイズでボタンを押すと、制限時間が減る。</a:t>
+            </a:r>
           </a:p>
           <a:p>
             <a:pPr marL="0" indent="0">
@@ -6972,7 +7003,7 @@
         </p:spPr>
         <p:txBody>
           <a:bodyPr>
-            <a:normAutofit/>
+            <a:normAutofit lnSpcReduction="10000"/>
           </a:bodyPr>
           <a:lstStyle/>
           <a:p>
@@ -7005,9 +7036,44 @@
             </a:pPr>
             <a:r>
               <a:rPr kumimoji="1" lang="ja-JP" altLang="en-US" sz="3200" dirty="0"/>
-              <a:t>・数が正しい状態で、画面から手を離すと成功。</a:t>
-            </a:r>
-            <a:endParaRPr lang="en-US" altLang="ja-JP" sz="3200" dirty="0"/>
+              <a:t>・画面に解答用のボタンを置く。</a:t>
+            </a:r>
+            <a:endParaRPr kumimoji="1" lang="en-US" altLang="ja-JP" sz="3200" dirty="0"/>
+          </a:p>
+          <a:p>
+            <a:pPr marL="0" indent="0">
+              <a:buNone/>
+            </a:pPr>
+            <a:endParaRPr lang="en-US" altLang="ja-JP" sz="2000" dirty="0"/>
+          </a:p>
+          <a:p>
+            <a:pPr marL="0" indent="0">
+              <a:buNone/>
+            </a:pPr>
+            <a:r>
+              <a:rPr kumimoji="1" lang="ja-JP" altLang="en-US" sz="3200" dirty="0"/>
+              <a:t>・正しい数でボタンを押すと成功。</a:t>
+            </a:r>
+            <a:endParaRPr kumimoji="1" lang="en-US" altLang="ja-JP" sz="3200" dirty="0"/>
+          </a:p>
+          <a:p>
+            <a:pPr marL="0" indent="0">
+              <a:buNone/>
+            </a:pPr>
+            <a:endParaRPr lang="en-US" altLang="ja-JP" sz="2000" dirty="0"/>
+          </a:p>
+          <a:p>
+            <a:pPr marL="0" indent="0">
+              <a:buNone/>
+            </a:pPr>
+            <a:r>
+              <a:rPr kumimoji="1" lang="ja-JP" altLang="en-US" sz="3200"/>
+              <a:t>・間違った数で</a:t>
+            </a:r>
+            <a:r>
+              <a:rPr kumimoji="1" lang="ja-JP" altLang="en-US" sz="3200" dirty="0"/>
+              <a:t>ボタンを押すと、制限時間が減る。</a:t>
+            </a:r>
           </a:p>
           <a:p>
             <a:pPr marL="0" indent="0">

--- a/Etc/企画書/企画書.pptx
+++ b/Etc/企画書/企画書.pptx
@@ -235,7 +235,7 @@
           <a:p>
             <a:fld id="{FE28E92A-AAB7-4FF0-B638-20564BAC1C2A}" type="datetimeFigureOut">
               <a:rPr kumimoji="1" lang="ja-JP" altLang="en-US" smtClean="0"/>
-              <a:t>2023/7/26</a:t>
+              <a:t>2023/8/3</a:t>
             </a:fld>
             <a:endParaRPr kumimoji="1" lang="ja-JP" altLang="en-US"/>
           </a:p>
@@ -751,7 +751,7 @@
           <a:p>
             <a:fld id="{8D310E66-D7B1-4848-AD49-A43B56B18A88}" type="datetimeFigureOut">
               <a:rPr kumimoji="1" lang="ja-JP" altLang="en-US" smtClean="0"/>
-              <a:t>2023/7/26</a:t>
+              <a:t>2023/8/3</a:t>
             </a:fld>
             <a:endParaRPr kumimoji="1" lang="ja-JP" altLang="en-US"/>
           </a:p>
@@ -951,7 +951,7 @@
           <a:p>
             <a:fld id="{8D310E66-D7B1-4848-AD49-A43B56B18A88}" type="datetimeFigureOut">
               <a:rPr kumimoji="1" lang="ja-JP" altLang="en-US" smtClean="0"/>
-              <a:t>2023/7/26</a:t>
+              <a:t>2023/8/3</a:t>
             </a:fld>
             <a:endParaRPr kumimoji="1" lang="ja-JP" altLang="en-US"/>
           </a:p>
@@ -1161,7 +1161,7 @@
           <a:p>
             <a:fld id="{8D310E66-D7B1-4848-AD49-A43B56B18A88}" type="datetimeFigureOut">
               <a:rPr kumimoji="1" lang="ja-JP" altLang="en-US" smtClean="0"/>
-              <a:t>2023/7/26</a:t>
+              <a:t>2023/8/3</a:t>
             </a:fld>
             <a:endParaRPr kumimoji="1" lang="ja-JP" altLang="en-US"/>
           </a:p>
@@ -1361,7 +1361,7 @@
           <a:p>
             <a:fld id="{8D310E66-D7B1-4848-AD49-A43B56B18A88}" type="datetimeFigureOut">
               <a:rPr kumimoji="1" lang="ja-JP" altLang="en-US" smtClean="0"/>
-              <a:t>2023/7/26</a:t>
+              <a:t>2023/8/3</a:t>
             </a:fld>
             <a:endParaRPr kumimoji="1" lang="ja-JP" altLang="en-US"/>
           </a:p>
@@ -1606,7 +1606,7 @@
           <a:p>
             <a:fld id="{8D310E66-D7B1-4848-AD49-A43B56B18A88}" type="datetimeFigureOut">
               <a:rPr kumimoji="1" lang="ja-JP" altLang="en-US" smtClean="0"/>
-              <a:t>2023/7/26</a:t>
+              <a:t>2023/8/3</a:t>
             </a:fld>
             <a:endParaRPr kumimoji="1" lang="ja-JP" altLang="en-US"/>
           </a:p>
@@ -1899,7 +1899,7 @@
           <a:p>
             <a:fld id="{8D310E66-D7B1-4848-AD49-A43B56B18A88}" type="datetimeFigureOut">
               <a:rPr kumimoji="1" lang="ja-JP" altLang="en-US" smtClean="0"/>
-              <a:t>2023/7/26</a:t>
+              <a:t>2023/8/3</a:t>
             </a:fld>
             <a:endParaRPr kumimoji="1" lang="ja-JP" altLang="en-US"/>
           </a:p>
@@ -2327,7 +2327,7 @@
           <a:p>
             <a:fld id="{8D310E66-D7B1-4848-AD49-A43B56B18A88}" type="datetimeFigureOut">
               <a:rPr kumimoji="1" lang="ja-JP" altLang="en-US" smtClean="0"/>
-              <a:t>2023/7/26</a:t>
+              <a:t>2023/8/3</a:t>
             </a:fld>
             <a:endParaRPr kumimoji="1" lang="ja-JP" altLang="en-US"/>
           </a:p>
@@ -2444,7 +2444,7 @@
           <a:p>
             <a:fld id="{8D310E66-D7B1-4848-AD49-A43B56B18A88}" type="datetimeFigureOut">
               <a:rPr kumimoji="1" lang="ja-JP" altLang="en-US" smtClean="0"/>
-              <a:t>2023/7/26</a:t>
+              <a:t>2023/8/3</a:t>
             </a:fld>
             <a:endParaRPr kumimoji="1" lang="ja-JP" altLang="en-US"/>
           </a:p>
@@ -2539,7 +2539,7 @@
           <a:p>
             <a:fld id="{8D310E66-D7B1-4848-AD49-A43B56B18A88}" type="datetimeFigureOut">
               <a:rPr kumimoji="1" lang="ja-JP" altLang="en-US" smtClean="0"/>
-              <a:t>2023/7/26</a:t>
+              <a:t>2023/8/3</a:t>
             </a:fld>
             <a:endParaRPr kumimoji="1" lang="ja-JP" altLang="en-US"/>
           </a:p>
@@ -2846,7 +2846,7 @@
           <a:p>
             <a:fld id="{8D310E66-D7B1-4848-AD49-A43B56B18A88}" type="datetimeFigureOut">
               <a:rPr kumimoji="1" lang="ja-JP" altLang="en-US" smtClean="0"/>
-              <a:t>2023/7/26</a:t>
+              <a:t>2023/8/3</a:t>
             </a:fld>
             <a:endParaRPr kumimoji="1" lang="ja-JP" altLang="en-US"/>
           </a:p>
@@ -3098,7 +3098,7 @@
           <a:p>
             <a:fld id="{8D310E66-D7B1-4848-AD49-A43B56B18A88}" type="datetimeFigureOut">
               <a:rPr kumimoji="1" lang="ja-JP" altLang="en-US" smtClean="0"/>
-              <a:t>2023/7/26</a:t>
+              <a:t>2023/8/3</a:t>
             </a:fld>
             <a:endParaRPr kumimoji="1" lang="ja-JP" altLang="en-US"/>
           </a:p>
@@ -3341,7 +3341,7 @@
           <a:p>
             <a:fld id="{8D310E66-D7B1-4848-AD49-A43B56B18A88}" type="datetimeFigureOut">
               <a:rPr kumimoji="1" lang="ja-JP" altLang="en-US" smtClean="0"/>
-              <a:t>2023/7/26</a:t>
+              <a:t>2023/8/3</a:t>
             </a:fld>
             <a:endParaRPr kumimoji="1" lang="ja-JP" altLang="en-US"/>
           </a:p>
@@ -8277,7 +8277,7 @@
         </p:nvSpPr>
         <p:spPr>
           <a:xfrm>
-            <a:off x="9170323" y="2271998"/>
+            <a:off x="9162500" y="2541475"/>
             <a:ext cx="2286000" cy="523702"/>
           </a:xfrm>
           <a:prstGeom prst="rect">
@@ -8320,7 +8320,7 @@
         </p:nvSpPr>
         <p:spPr>
           <a:xfrm>
-            <a:off x="9170323" y="3320035"/>
+            <a:off x="9162500" y="3999409"/>
             <a:ext cx="2286000" cy="523702"/>
           </a:xfrm>
           <a:prstGeom prst="rect">
@@ -8362,13 +8362,13 @@
       </p:sp>
       <p:sp>
         <p:nvSpPr>
-          <p:cNvPr id="20" name="正方形/長方形 19"/>
+          <p:cNvPr id="21" name="正方形/長方形 20"/>
           <p:cNvSpPr/>
           <p:nvPr/>
         </p:nvSpPr>
         <p:spPr>
           <a:xfrm>
-            <a:off x="9170323" y="4368072"/>
+            <a:off x="9162500" y="5359798"/>
             <a:ext cx="2286000" cy="523702"/>
           </a:xfrm>
           <a:prstGeom prst="rect">
@@ -8398,21 +8398,21 @@
             <a:pPr algn="ctr"/>
             <a:r>
               <a:rPr kumimoji="1" lang="ja-JP" altLang="en-US" dirty="0"/>
-              <a:t>ミニゲーム３</a:t>
-            </a:r>
-          </a:p>
-        </p:txBody>
-      </p:sp>
-      <p:sp>
-        <p:nvSpPr>
-          <p:cNvPr id="21" name="正方形/長方形 20"/>
+              <a:t>タップ操作とは</a:t>
+            </a:r>
+          </a:p>
+        </p:txBody>
+      </p:sp>
+      <p:sp>
+        <p:nvSpPr>
+          <p:cNvPr id="3" name="正方形/長方形 2"/>
           <p:cNvSpPr/>
           <p:nvPr/>
         </p:nvSpPr>
         <p:spPr>
           <a:xfrm>
-            <a:off x="9170323" y="5416109"/>
-            <a:ext cx="2286000" cy="523702"/>
+            <a:off x="5685906" y="1255222"/>
+            <a:ext cx="1845426" cy="315883"/>
           </a:xfrm>
           <a:prstGeom prst="rect">
             <a:avLst/>
@@ -8441,20 +8441,20 @@
             <a:pPr algn="ctr"/>
             <a:r>
               <a:rPr kumimoji="1" lang="ja-JP" altLang="en-US" dirty="0"/>
-              <a:t>タップ操作とは</a:t>
-            </a:r>
-          </a:p>
-        </p:txBody>
-      </p:sp>
-      <p:sp>
-        <p:nvSpPr>
-          <p:cNvPr id="3" name="正方形/長方形 2"/>
+              <a:t>コイン獲得枚数</a:t>
+            </a:r>
+          </a:p>
+        </p:txBody>
+      </p:sp>
+      <p:sp>
+        <p:nvSpPr>
+          <p:cNvPr id="22" name="正方形/長方形 21"/>
           <p:cNvSpPr/>
           <p:nvPr/>
         </p:nvSpPr>
         <p:spPr>
           <a:xfrm>
-            <a:off x="5685906" y="1255222"/>
+            <a:off x="9853353" y="1252378"/>
             <a:ext cx="1845426" cy="315883"/>
           </a:xfrm>
           <a:prstGeom prst="rect">
@@ -8491,13 +8491,13 @@
       </p:sp>
       <p:sp>
         <p:nvSpPr>
-          <p:cNvPr id="22" name="正方形/長方形 21"/>
+          <p:cNvPr id="23" name="正方形/長方形 22"/>
           <p:cNvSpPr/>
           <p:nvPr/>
         </p:nvSpPr>
         <p:spPr>
           <a:xfrm>
-            <a:off x="9853353" y="1252378"/>
+            <a:off x="9783876" y="2952639"/>
             <a:ext cx="1845426" cy="315883"/>
           </a:xfrm>
           <a:prstGeom prst="rect">
@@ -8527,49 +8527,6 @@
             <a:pPr algn="ctr"/>
             <a:r>
               <a:rPr kumimoji="1" lang="ja-JP" altLang="en-US" dirty="0"/>
-              <a:t>コイン獲得枚数</a:t>
-            </a:r>
-          </a:p>
-        </p:txBody>
-      </p:sp>
-      <p:sp>
-        <p:nvSpPr>
-          <p:cNvPr id="23" name="正方形/長方形 22"/>
-          <p:cNvSpPr/>
-          <p:nvPr/>
-        </p:nvSpPr>
-        <p:spPr>
-          <a:xfrm>
-            <a:off x="9791699" y="2683162"/>
-            <a:ext cx="1845426" cy="315883"/>
-          </a:xfrm>
-          <a:prstGeom prst="rect">
-            <a:avLst/>
-          </a:prstGeom>
-        </p:spPr>
-        <p:style>
-          <a:lnRef idx="2">
-            <a:schemeClr val="accent1">
-              <a:shade val="50000"/>
-            </a:schemeClr>
-          </a:lnRef>
-          <a:fillRef idx="1">
-            <a:schemeClr val="accent1"/>
-          </a:fillRef>
-          <a:effectRef idx="0">
-            <a:schemeClr val="accent1"/>
-          </a:effectRef>
-          <a:fontRef idx="minor">
-            <a:schemeClr val="lt1"/>
-          </a:fontRef>
-        </p:style>
-        <p:txBody>
-          <a:bodyPr rtlCol="0" anchor="ctr"/>
-          <a:lstStyle/>
-          <a:p>
-            <a:pPr algn="ctr"/>
-            <a:r>
-              <a:rPr kumimoji="1" lang="ja-JP" altLang="en-US" dirty="0"/>
               <a:t>最大獲得枚数</a:t>
             </a:r>
           </a:p>
@@ -8583,50 +8540,7 @@
         </p:nvSpPr>
         <p:spPr>
           <a:xfrm>
-            <a:off x="9791699" y="3755336"/>
-            <a:ext cx="1845426" cy="315883"/>
-          </a:xfrm>
-          <a:prstGeom prst="rect">
-            <a:avLst/>
-          </a:prstGeom>
-        </p:spPr>
-        <p:style>
-          <a:lnRef idx="2">
-            <a:schemeClr val="accent1">
-              <a:shade val="50000"/>
-            </a:schemeClr>
-          </a:lnRef>
-          <a:fillRef idx="1">
-            <a:schemeClr val="accent1"/>
-          </a:fillRef>
-          <a:effectRef idx="0">
-            <a:schemeClr val="accent1"/>
-          </a:effectRef>
-          <a:fontRef idx="minor">
-            <a:schemeClr val="lt1"/>
-          </a:fontRef>
-        </p:style>
-        <p:txBody>
-          <a:bodyPr rtlCol="0" anchor="ctr"/>
-          <a:lstStyle/>
-          <a:p>
-            <a:pPr algn="ctr"/>
-            <a:r>
-              <a:rPr kumimoji="1" lang="ja-JP" altLang="en-US" dirty="0"/>
-              <a:t>最大獲得枚数</a:t>
-            </a:r>
-          </a:p>
-        </p:txBody>
-      </p:sp>
-      <p:sp>
-        <p:nvSpPr>
-          <p:cNvPr id="25" name="正方形/長方形 24"/>
-          <p:cNvSpPr/>
-          <p:nvPr/>
-        </p:nvSpPr>
-        <p:spPr>
-          <a:xfrm>
-            <a:off x="9791699" y="4827510"/>
+            <a:off x="9783876" y="4434710"/>
             <a:ext cx="1845426" cy="315883"/>
           </a:xfrm>
           <a:prstGeom prst="rect">

--- a/Etc/企画書/企画書.pptx
+++ b/Etc/企画書/企画書.pptx
@@ -5,7 +5,7 @@
     <p:sldMasterId id="2147483648" r:id="rId1"/>
   </p:sldMasterIdLst>
   <p:notesMasterIdLst>
-    <p:notesMasterId r:id="rId29"/>
+    <p:notesMasterId r:id="rId32"/>
   </p:notesMasterIdLst>
   <p:sldIdLst>
     <p:sldId id="256" r:id="rId2"/>
@@ -35,6 +35,9 @@
     <p:sldId id="282" r:id="rId26"/>
     <p:sldId id="286" r:id="rId27"/>
     <p:sldId id="287" r:id="rId28"/>
+    <p:sldId id="288" r:id="rId29"/>
+    <p:sldId id="289" r:id="rId30"/>
+    <p:sldId id="290" r:id="rId31"/>
   </p:sldIdLst>
   <p:sldSz cx="12192000" cy="6858000"/>
   <p:notesSz cx="6858000" cy="9144000"/>
@@ -7106,6 +7109,197 @@
 </p:sld>
 </file>
 
+<file path=ppt/slides/slide28.xml><?xml version="1.0" encoding="utf-8"?>
+<p:sld xmlns:a="http://schemas.openxmlformats.org/drawingml/2006/main" xmlns:r="http://schemas.openxmlformats.org/officeDocument/2006/relationships" xmlns:p="http://schemas.openxmlformats.org/presentationml/2006/main">
+  <p:cSld>
+    <p:spTree>
+      <p:nvGrpSpPr>
+        <p:cNvPr id="1" name=""/>
+        <p:cNvGrpSpPr/>
+        <p:nvPr/>
+      </p:nvGrpSpPr>
+      <p:grpSpPr>
+        <a:xfrm>
+          <a:off x="0" y="0"/>
+          <a:ext cx="0" cy="0"/>
+          <a:chOff x="0" y="0"/>
+          <a:chExt cx="0" cy="0"/>
+        </a:xfrm>
+      </p:grpSpPr>
+      <p:sp>
+        <p:nvSpPr>
+          <p:cNvPr id="2" name="タイトル 1">
+            <a:extLst>
+              <a:ext uri="{FF2B5EF4-FFF2-40B4-BE49-F238E27FC236}">
+                <a16:creationId xmlns:a16="http://schemas.microsoft.com/office/drawing/2014/main" id="{DB1D92B3-B151-5472-616B-EF025A3D46AB}"/>
+              </a:ext>
+            </a:extLst>
+          </p:cNvPr>
+          <p:cNvSpPr>
+            <a:spLocks noGrp="1"/>
+          </p:cNvSpPr>
+          <p:nvPr>
+            <p:ph type="ctrTitle"/>
+          </p:nvPr>
+        </p:nvSpPr>
+        <p:spPr>
+          <a:xfrm>
+            <a:off x="1524000" y="2235200"/>
+            <a:ext cx="9144000" cy="2387600"/>
+          </a:xfrm>
+        </p:spPr>
+        <p:txBody>
+          <a:bodyPr anchor="ctr"/>
+          <a:lstStyle/>
+          <a:p>
+            <a:r>
+              <a:rPr kumimoji="1" lang="ja-JP" altLang="en-US" dirty="0"/>
+              <a:t>チュートリアルの仕様</a:t>
+            </a:r>
+          </a:p>
+        </p:txBody>
+      </p:sp>
+    </p:spTree>
+    <p:extLst>
+      <p:ext uri="{BB962C8B-B14F-4D97-AF65-F5344CB8AC3E}">
+        <p14:creationId xmlns:p14="http://schemas.microsoft.com/office/powerpoint/2010/main" val="698202135"/>
+      </p:ext>
+    </p:extLst>
+  </p:cSld>
+  <p:clrMapOvr>
+    <a:masterClrMapping/>
+  </p:clrMapOvr>
+</p:sld>
+</file>
+
+<file path=ppt/slides/slide29.xml><?xml version="1.0" encoding="utf-8"?>
+<p:sld xmlns:a="http://schemas.openxmlformats.org/drawingml/2006/main" xmlns:r="http://schemas.openxmlformats.org/officeDocument/2006/relationships" xmlns:p="http://schemas.openxmlformats.org/presentationml/2006/main">
+  <p:cSld>
+    <p:spTree>
+      <p:nvGrpSpPr>
+        <p:cNvPr id="1" name=""/>
+        <p:cNvGrpSpPr/>
+        <p:nvPr/>
+      </p:nvGrpSpPr>
+      <p:grpSpPr>
+        <a:xfrm>
+          <a:off x="0" y="0"/>
+          <a:ext cx="0" cy="0"/>
+          <a:chOff x="0" y="0"/>
+          <a:chExt cx="0" cy="0"/>
+        </a:xfrm>
+      </p:grpSpPr>
+      <p:sp>
+        <p:nvSpPr>
+          <p:cNvPr id="2" name="タイトル 1">
+            <a:extLst>
+              <a:ext uri="{FF2B5EF4-FFF2-40B4-BE49-F238E27FC236}">
+                <a16:creationId xmlns:a16="http://schemas.microsoft.com/office/drawing/2014/main" id="{B8983658-66F8-BDCF-E47D-28C867618BCD}"/>
+              </a:ext>
+            </a:extLst>
+          </p:cNvPr>
+          <p:cNvSpPr>
+            <a:spLocks noGrp="1"/>
+          </p:cNvSpPr>
+          <p:nvPr>
+            <p:ph type="title"/>
+          </p:nvPr>
+        </p:nvSpPr>
+        <p:spPr/>
+        <p:txBody>
+          <a:bodyPr/>
+          <a:lstStyle/>
+          <a:p>
+            <a:r>
+              <a:rPr kumimoji="1" lang="ja-JP" altLang="en-US" dirty="0"/>
+              <a:t>チュートリアルの流れ</a:t>
+            </a:r>
+          </a:p>
+        </p:txBody>
+      </p:sp>
+      <p:sp>
+        <p:nvSpPr>
+          <p:cNvPr id="3" name="コンテンツ プレースホルダー 2">
+            <a:extLst>
+              <a:ext uri="{FF2B5EF4-FFF2-40B4-BE49-F238E27FC236}">
+                <a16:creationId xmlns:a16="http://schemas.microsoft.com/office/drawing/2014/main" id="{A40C146D-759D-8822-BEBC-8442D78C9A55}"/>
+              </a:ext>
+            </a:extLst>
+          </p:cNvPr>
+          <p:cNvSpPr>
+            <a:spLocks noGrp="1"/>
+          </p:cNvSpPr>
+          <p:nvPr>
+            <p:ph idx="1"/>
+          </p:nvPr>
+        </p:nvSpPr>
+        <p:spPr/>
+        <p:txBody>
+          <a:bodyPr>
+            <a:normAutofit/>
+          </a:bodyPr>
+          <a:lstStyle/>
+          <a:p>
+            <a:pPr marL="0" indent="0">
+              <a:buNone/>
+            </a:pPr>
+            <a:r>
+              <a:rPr kumimoji="1" lang="ja-JP" altLang="en-US" sz="3200" dirty="0"/>
+              <a:t>・それぞれの操作についての説明をする。</a:t>
+            </a:r>
+            <a:endParaRPr kumimoji="1" lang="en-US" altLang="ja-JP" sz="3200" dirty="0"/>
+          </a:p>
+          <a:p>
+            <a:pPr marL="0" indent="0">
+              <a:buNone/>
+            </a:pPr>
+            <a:r>
+              <a:rPr lang="ja-JP" altLang="en-US" sz="3200" dirty="0"/>
+              <a:t>　できれば簡単なデモをつける。</a:t>
+            </a:r>
+            <a:endParaRPr lang="en-US" altLang="ja-JP" sz="3200" dirty="0"/>
+          </a:p>
+          <a:p>
+            <a:pPr marL="0" indent="0">
+              <a:buNone/>
+            </a:pPr>
+            <a:endParaRPr kumimoji="1" lang="en-US" altLang="ja-JP" sz="3200" dirty="0"/>
+          </a:p>
+          <a:p>
+            <a:pPr marL="0" indent="0">
+              <a:buNone/>
+            </a:pPr>
+            <a:r>
+              <a:rPr kumimoji="1" lang="ja-JP" altLang="en-US" sz="3200" dirty="0"/>
+              <a:t>・実際に少しその操作をしてもらう。</a:t>
+            </a:r>
+            <a:endParaRPr kumimoji="1" lang="en-US" altLang="ja-JP" sz="3200" dirty="0"/>
+          </a:p>
+          <a:p>
+            <a:pPr marL="0" indent="0">
+              <a:buNone/>
+            </a:pPr>
+            <a:r>
+              <a:rPr lang="ja-JP" altLang="en-US" sz="3200" dirty="0"/>
+              <a:t>　指のアニメーションでその操作がわかるようにする。</a:t>
+            </a:r>
+            <a:endParaRPr kumimoji="1" lang="ja-JP" altLang="en-US" sz="3200" dirty="0"/>
+          </a:p>
+        </p:txBody>
+      </p:sp>
+    </p:spTree>
+    <p:extLst>
+      <p:ext uri="{BB962C8B-B14F-4D97-AF65-F5344CB8AC3E}">
+        <p14:creationId xmlns:p14="http://schemas.microsoft.com/office/powerpoint/2010/main" val="3356447001"/>
+      </p:ext>
+    </p:extLst>
+  </p:cSld>
+  <p:clrMapOvr>
+    <a:masterClrMapping/>
+  </p:clrMapOvr>
+</p:sld>
+</file>
+
 <file path=ppt/slides/slide3.xml><?xml version="1.0" encoding="utf-8"?>
 <p:sld xmlns:a="http://schemas.openxmlformats.org/drawingml/2006/main" xmlns:r="http://schemas.openxmlformats.org/officeDocument/2006/relationships" xmlns:p="http://schemas.openxmlformats.org/presentationml/2006/main">
   <p:cSld>
@@ -7237,6 +7431,330 @@
     <p:extLst>
       <p:ext uri="{BB962C8B-B14F-4D97-AF65-F5344CB8AC3E}">
         <p14:creationId xmlns:p14="http://schemas.microsoft.com/office/powerpoint/2010/main" val="1389142671"/>
+      </p:ext>
+    </p:extLst>
+  </p:cSld>
+  <p:clrMapOvr>
+    <a:masterClrMapping/>
+  </p:clrMapOvr>
+</p:sld>
+</file>
+
+<file path=ppt/slides/slide30.xml><?xml version="1.0" encoding="utf-8"?>
+<p:sld xmlns:a="http://schemas.openxmlformats.org/drawingml/2006/main" xmlns:r="http://schemas.openxmlformats.org/officeDocument/2006/relationships" xmlns:p="http://schemas.openxmlformats.org/presentationml/2006/main">
+  <p:cSld>
+    <p:spTree>
+      <p:nvGrpSpPr>
+        <p:cNvPr id="1" name=""/>
+        <p:cNvGrpSpPr/>
+        <p:nvPr/>
+      </p:nvGrpSpPr>
+      <p:grpSpPr>
+        <a:xfrm>
+          <a:off x="0" y="0"/>
+          <a:ext cx="0" cy="0"/>
+          <a:chOff x="0" y="0"/>
+          <a:chExt cx="0" cy="0"/>
+        </a:xfrm>
+      </p:grpSpPr>
+      <p:sp>
+        <p:nvSpPr>
+          <p:cNvPr id="2" name="正方形/長方形 1">
+            <a:extLst>
+              <a:ext uri="{FF2B5EF4-FFF2-40B4-BE49-F238E27FC236}">
+                <a16:creationId xmlns:a16="http://schemas.microsoft.com/office/drawing/2014/main" id="{1F82D186-A9B5-07ED-28A2-D3A1EA21181F}"/>
+              </a:ext>
+            </a:extLst>
+          </p:cNvPr>
+          <p:cNvSpPr/>
+          <p:nvPr/>
+        </p:nvSpPr>
+        <p:spPr>
+          <a:xfrm>
+            <a:off x="1864659" y="484094"/>
+            <a:ext cx="3424517" cy="5988424"/>
+          </a:xfrm>
+          <a:prstGeom prst="rect">
+            <a:avLst/>
+          </a:prstGeom>
+          <a:noFill/>
+        </p:spPr>
+        <p:style>
+          <a:lnRef idx="2">
+            <a:schemeClr val="accent1">
+              <a:shade val="15000"/>
+            </a:schemeClr>
+          </a:lnRef>
+          <a:fillRef idx="1">
+            <a:schemeClr val="accent1"/>
+          </a:fillRef>
+          <a:effectRef idx="0">
+            <a:schemeClr val="accent1"/>
+          </a:effectRef>
+          <a:fontRef idx="minor">
+            <a:schemeClr val="lt1"/>
+          </a:fontRef>
+        </p:style>
+        <p:txBody>
+          <a:bodyPr rtlCol="0" anchor="ctr"/>
+          <a:lstStyle/>
+          <a:p>
+            <a:pPr algn="ctr"/>
+            <a:endParaRPr kumimoji="1" lang="ja-JP" altLang="en-US"/>
+          </a:p>
+        </p:txBody>
+      </p:sp>
+      <p:sp>
+        <p:nvSpPr>
+          <p:cNvPr id="3" name="正方形/長方形 2">
+            <a:extLst>
+              <a:ext uri="{FF2B5EF4-FFF2-40B4-BE49-F238E27FC236}">
+                <a16:creationId xmlns:a16="http://schemas.microsoft.com/office/drawing/2014/main" id="{E35CEAC7-7B4F-B6E2-18D6-E3360F2A662B}"/>
+              </a:ext>
+            </a:extLst>
+          </p:cNvPr>
+          <p:cNvSpPr/>
+          <p:nvPr/>
+        </p:nvSpPr>
+        <p:spPr>
+          <a:xfrm>
+            <a:off x="1864658" y="3594847"/>
+            <a:ext cx="3424517" cy="1371600"/>
+          </a:xfrm>
+          <a:prstGeom prst="rect">
+            <a:avLst/>
+          </a:prstGeom>
+          <a:noFill/>
+        </p:spPr>
+        <p:style>
+          <a:lnRef idx="2">
+            <a:schemeClr val="accent1">
+              <a:shade val="15000"/>
+            </a:schemeClr>
+          </a:lnRef>
+          <a:fillRef idx="1">
+            <a:schemeClr val="accent1"/>
+          </a:fillRef>
+          <a:effectRef idx="0">
+            <a:schemeClr val="accent1"/>
+          </a:effectRef>
+          <a:fontRef idx="minor">
+            <a:schemeClr val="lt1"/>
+          </a:fontRef>
+        </p:style>
+        <p:txBody>
+          <a:bodyPr rtlCol="0" anchor="ctr"/>
+          <a:lstStyle/>
+          <a:p>
+            <a:pPr algn="ctr"/>
+            <a:r>
+              <a:rPr lang="ja-JP" altLang="en-US" dirty="0">
+                <a:solidFill>
+                  <a:schemeClr val="tx1"/>
+                </a:solidFill>
+              </a:rPr>
+              <a:t>文章</a:t>
+            </a:r>
+            <a:endParaRPr kumimoji="1" lang="ja-JP" altLang="en-US" dirty="0">
+              <a:solidFill>
+                <a:schemeClr val="tx1"/>
+              </a:solidFill>
+            </a:endParaRPr>
+          </a:p>
+        </p:txBody>
+      </p:sp>
+      <p:sp>
+        <p:nvSpPr>
+          <p:cNvPr id="5" name="矢印: 右 4">
+            <a:extLst>
+              <a:ext uri="{FF2B5EF4-FFF2-40B4-BE49-F238E27FC236}">
+                <a16:creationId xmlns:a16="http://schemas.microsoft.com/office/drawing/2014/main" id="{CFED589C-C679-73DC-E8F7-E036C8388094}"/>
+              </a:ext>
+            </a:extLst>
+          </p:cNvPr>
+          <p:cNvSpPr/>
+          <p:nvPr/>
+        </p:nvSpPr>
+        <p:spPr>
+          <a:xfrm>
+            <a:off x="5495365" y="3012141"/>
+            <a:ext cx="1066800" cy="699247"/>
+          </a:xfrm>
+          <a:prstGeom prst="rightArrow">
+            <a:avLst/>
+          </a:prstGeom>
+        </p:spPr>
+        <p:style>
+          <a:lnRef idx="2">
+            <a:schemeClr val="accent1">
+              <a:shade val="15000"/>
+            </a:schemeClr>
+          </a:lnRef>
+          <a:fillRef idx="1">
+            <a:schemeClr val="accent1"/>
+          </a:fillRef>
+          <a:effectRef idx="0">
+            <a:schemeClr val="accent1"/>
+          </a:effectRef>
+          <a:fontRef idx="minor">
+            <a:schemeClr val="lt1"/>
+          </a:fontRef>
+        </p:style>
+        <p:txBody>
+          <a:bodyPr rtlCol="0" anchor="ctr"/>
+          <a:lstStyle/>
+          <a:p>
+            <a:pPr algn="ctr"/>
+            <a:endParaRPr kumimoji="1" lang="ja-JP" altLang="en-US"/>
+          </a:p>
+        </p:txBody>
+      </p:sp>
+      <p:sp>
+        <p:nvSpPr>
+          <p:cNvPr id="6" name="正方形/長方形 5">
+            <a:extLst>
+              <a:ext uri="{FF2B5EF4-FFF2-40B4-BE49-F238E27FC236}">
+                <a16:creationId xmlns:a16="http://schemas.microsoft.com/office/drawing/2014/main" id="{2BDC2C8D-C276-7AF2-BDB0-DE869D7035D1}"/>
+              </a:ext>
+            </a:extLst>
+          </p:cNvPr>
+          <p:cNvSpPr/>
+          <p:nvPr/>
+        </p:nvSpPr>
+        <p:spPr>
+          <a:xfrm>
+            <a:off x="6902824" y="484094"/>
+            <a:ext cx="3424517" cy="5988424"/>
+          </a:xfrm>
+          <a:prstGeom prst="rect">
+            <a:avLst/>
+          </a:prstGeom>
+          <a:noFill/>
+        </p:spPr>
+        <p:style>
+          <a:lnRef idx="2">
+            <a:schemeClr val="accent1">
+              <a:shade val="15000"/>
+            </a:schemeClr>
+          </a:lnRef>
+          <a:fillRef idx="1">
+            <a:schemeClr val="accent1"/>
+          </a:fillRef>
+          <a:effectRef idx="0">
+            <a:schemeClr val="accent1"/>
+          </a:effectRef>
+          <a:fontRef idx="minor">
+            <a:schemeClr val="lt1"/>
+          </a:fontRef>
+        </p:style>
+        <p:txBody>
+          <a:bodyPr rtlCol="0" anchor="ctr"/>
+          <a:lstStyle/>
+          <a:p>
+            <a:pPr algn="ctr"/>
+            <a:endParaRPr kumimoji="1" lang="ja-JP" altLang="en-US"/>
+          </a:p>
+        </p:txBody>
+      </p:sp>
+      <p:sp>
+        <p:nvSpPr>
+          <p:cNvPr id="7" name="正方形/長方形 6">
+            <a:extLst>
+              <a:ext uri="{FF2B5EF4-FFF2-40B4-BE49-F238E27FC236}">
+                <a16:creationId xmlns:a16="http://schemas.microsoft.com/office/drawing/2014/main" id="{6515C64A-2D3D-86E3-D6FF-7AD0F151FFC1}"/>
+              </a:ext>
+            </a:extLst>
+          </p:cNvPr>
+          <p:cNvSpPr/>
+          <p:nvPr/>
+        </p:nvSpPr>
+        <p:spPr>
+          <a:xfrm>
+            <a:off x="6902823" y="484094"/>
+            <a:ext cx="3424517" cy="1371600"/>
+          </a:xfrm>
+          <a:prstGeom prst="rect">
+            <a:avLst/>
+          </a:prstGeom>
+          <a:noFill/>
+        </p:spPr>
+        <p:style>
+          <a:lnRef idx="2">
+            <a:schemeClr val="accent1">
+              <a:shade val="15000"/>
+            </a:schemeClr>
+          </a:lnRef>
+          <a:fillRef idx="1">
+            <a:schemeClr val="accent1"/>
+          </a:fillRef>
+          <a:effectRef idx="0">
+            <a:schemeClr val="accent1"/>
+          </a:effectRef>
+          <a:fontRef idx="minor">
+            <a:schemeClr val="lt1"/>
+          </a:fontRef>
+        </p:style>
+        <p:txBody>
+          <a:bodyPr rtlCol="0" anchor="ctr"/>
+          <a:lstStyle/>
+          <a:p>
+            <a:pPr algn="ctr"/>
+            <a:r>
+              <a:rPr lang="ja-JP" altLang="en-US" dirty="0">
+                <a:solidFill>
+                  <a:schemeClr val="tx1"/>
+                </a:solidFill>
+              </a:rPr>
+              <a:t>文章</a:t>
+            </a:r>
+            <a:endParaRPr kumimoji="1" lang="ja-JP" altLang="en-US" dirty="0">
+              <a:solidFill>
+                <a:schemeClr val="tx1"/>
+              </a:solidFill>
+            </a:endParaRPr>
+          </a:p>
+        </p:txBody>
+      </p:sp>
+      <p:sp>
+        <p:nvSpPr>
+          <p:cNvPr id="8" name="テキスト ボックス 7">
+            <a:extLst>
+              <a:ext uri="{FF2B5EF4-FFF2-40B4-BE49-F238E27FC236}">
+                <a16:creationId xmlns:a16="http://schemas.microsoft.com/office/drawing/2014/main" id="{3D1AF464-A097-DBBE-13EF-460419C0B4E0}"/>
+              </a:ext>
+            </a:extLst>
+          </p:cNvPr>
+          <p:cNvSpPr txBox="1"/>
+          <p:nvPr/>
+        </p:nvSpPr>
+        <p:spPr>
+          <a:xfrm>
+            <a:off x="7637928" y="4280647"/>
+            <a:ext cx="1954306" cy="369332"/>
+          </a:xfrm>
+          <a:prstGeom prst="rect">
+            <a:avLst/>
+          </a:prstGeom>
+          <a:noFill/>
+        </p:spPr>
+        <p:txBody>
+          <a:bodyPr wrap="square" rtlCol="0">
+            <a:spAutoFit/>
+          </a:bodyPr>
+          <a:lstStyle/>
+          <a:p>
+            <a:pPr algn="ctr"/>
+            <a:r>
+              <a:rPr kumimoji="1" lang="ja-JP" altLang="en-US" dirty="0"/>
+              <a:t>操作スペース</a:t>
+            </a:r>
+          </a:p>
+        </p:txBody>
+      </p:sp>
+    </p:spTree>
+    <p:extLst>
+      <p:ext uri="{BB962C8B-B14F-4D97-AF65-F5344CB8AC3E}">
+        <p14:creationId xmlns:p14="http://schemas.microsoft.com/office/powerpoint/2010/main" val="2113985051"/>
       </p:ext>
     </p:extLst>
   </p:cSld>

--- a/Etc/企画書/企画書.pptx
+++ b/Etc/企画書/企画書.pptx
@@ -5213,7 +5213,7 @@
             </a:pPr>
             <a:r>
               <a:rPr lang="ja-JP" altLang="en-US" sz="3200" dirty="0"/>
-              <a:t>・コインでスコアを表現する。</a:t>
+              <a:t>・ゲーム開始前にルールと簡単な操作方法を説明する。</a:t>
             </a:r>
             <a:endParaRPr lang="en-US" altLang="ja-JP" sz="3200" dirty="0"/>
           </a:p>
@@ -5276,6 +5276,22 @@
             </a:pPr>
             <a:r>
               <a:rPr lang="ja-JP" altLang="en-US" sz="3200" dirty="0"/>
+              <a:t>・コインでスコアを表現する。</a:t>
+            </a:r>
+            <a:endParaRPr lang="en-US" altLang="ja-JP" sz="3200" dirty="0"/>
+          </a:p>
+          <a:p>
+            <a:pPr marL="0" indent="0">
+              <a:buNone/>
+            </a:pPr>
+            <a:endParaRPr lang="en-US" altLang="ja-JP" sz="3200" dirty="0"/>
+          </a:p>
+          <a:p>
+            <a:pPr marL="0" indent="0">
+              <a:buNone/>
+            </a:pPr>
+            <a:r>
+              <a:rPr lang="ja-JP" altLang="en-US" sz="3200" dirty="0"/>
               <a:t>・コインの溜まり具合がわかるゲージを用意する。</a:t>
             </a:r>
             <a:endParaRPr lang="en-US" altLang="ja-JP" sz="3200" dirty="0"/>
@@ -5284,15 +5300,25 @@
             <a:pPr marL="0" indent="0">
               <a:buNone/>
             </a:pPr>
+            <a:r>
+              <a:rPr lang="ja-JP" altLang="en-US" sz="3200" dirty="0"/>
+              <a:t>　ゲージの線でどこまで行ったらクリアかを表現する。</a:t>
+            </a:r>
             <a:endParaRPr lang="en-US" altLang="ja-JP" sz="3200" dirty="0"/>
           </a:p>
           <a:p>
             <a:pPr marL="0" indent="0">
               <a:buNone/>
             </a:pPr>
+            <a:endParaRPr lang="en-US" altLang="ja-JP" sz="3200" dirty="0"/>
+          </a:p>
+          <a:p>
+            <a:pPr marL="0" indent="0">
+              <a:buNone/>
+            </a:pPr>
             <a:r>
               <a:rPr lang="ja-JP" altLang="en-US" sz="3200" dirty="0"/>
-              <a:t>・ゲージの線でどこまで行ったらクリアかを表現する。</a:t>
+              <a:t>・コインの取得数は、その問題を解くのに使った時間と、</a:t>
             </a:r>
             <a:endParaRPr lang="en-US" altLang="ja-JP" sz="3200" dirty="0"/>
           </a:p>
@@ -5300,16 +5326,32 @@
             <a:pPr marL="0" indent="0">
               <a:buNone/>
             </a:pPr>
+            <a:r>
+              <a:rPr lang="ja-JP" altLang="en-US" sz="3200" dirty="0"/>
+              <a:t>プレイ中のゲームで決まる。</a:t>
+            </a:r>
             <a:endParaRPr lang="en-US" altLang="ja-JP" sz="3200" dirty="0"/>
           </a:p>
           <a:p>
             <a:pPr marL="0" indent="0">
               <a:buNone/>
             </a:pPr>
+            <a:endParaRPr lang="en-US" altLang="ja-JP" sz="3200" dirty="0"/>
+          </a:p>
+          <a:p>
+            <a:pPr marL="0" indent="0">
+              <a:buNone/>
+            </a:pPr>
             <a:r>
               <a:rPr lang="ja-JP" altLang="en-US" sz="3200" dirty="0"/>
-              <a:t>・ゲーム開始前にルールと簡単な操作方法を説明する。</a:t>
-            </a:r>
+              <a:t>・取得しなければいけない数は、すべてのゲームで共通。</a:t>
+            </a:r>
+            <a:endParaRPr lang="en-US" altLang="ja-JP" sz="3200" dirty="0"/>
+          </a:p>
+          <a:p>
+            <a:pPr marL="0" indent="0">
+              <a:buNone/>
+            </a:pPr>
             <a:endParaRPr lang="en-US" altLang="ja-JP" sz="3200" dirty="0"/>
           </a:p>
         </p:txBody>
@@ -5404,22 +5446,6 @@
             </a:pPr>
             <a:r>
               <a:rPr kumimoji="1" lang="ja-JP" altLang="en-US" sz="3600" dirty="0"/>
-              <a:t>・択一クイズ</a:t>
-            </a:r>
-            <a:endParaRPr kumimoji="1" lang="en-US" altLang="ja-JP" sz="3600" dirty="0"/>
-          </a:p>
-          <a:p>
-            <a:pPr marL="0" indent="0">
-              <a:buNone/>
-            </a:pPr>
-            <a:endParaRPr lang="en-US" altLang="ja-JP" sz="3600" dirty="0"/>
-          </a:p>
-          <a:p>
-            <a:pPr marL="0" indent="0">
-              <a:buNone/>
-            </a:pPr>
-            <a:r>
-              <a:rPr kumimoji="1" lang="ja-JP" altLang="en-US" sz="3600" dirty="0"/>
               <a:t>・タイピング</a:t>
             </a:r>
           </a:p>
@@ -6263,11 +6289,11 @@
               <a:buNone/>
             </a:pPr>
             <a:r>
-              <a:rPr kumimoji="1" lang="ja-JP" altLang="en-US" dirty="0"/>
+              <a:rPr kumimoji="1" lang="ja-JP" altLang="en-US" sz="3200" dirty="0"/>
               <a:t>・</a:t>
             </a:r>
             <a:r>
-              <a:rPr lang="ja-JP" altLang="en-US" b="0" i="0" dirty="0">
+              <a:rPr lang="ja-JP" altLang="en-US" sz="3200" b="0" i="0" dirty="0">
                 <a:solidFill>
                   <a:srgbClr val="DBDEE1"/>
                 </a:solidFill>
@@ -6277,13 +6303,13 @@
               <a:t> </a:t>
             </a:r>
             <a:r>
-              <a:rPr lang="ja-JP" altLang="en-US" b="0" i="0" dirty="0">
+              <a:rPr lang="ja-JP" altLang="en-US" sz="3200" b="0" i="0" dirty="0">
                 <a:effectLst/>
                 <a:latin typeface="gg sans"/>
               </a:rPr>
               <a:t>３＊３の並び替え</a:t>
             </a:r>
-            <a:endParaRPr lang="en-US" altLang="ja-JP" b="0" i="0" dirty="0">
+            <a:endParaRPr lang="en-US" altLang="ja-JP" sz="3200" b="0" i="0" dirty="0">
               <a:effectLst/>
               <a:latin typeface="gg sans"/>
             </a:endParaRPr>
@@ -6292,7 +6318,7 @@
             <a:pPr marL="0" indent="0">
               <a:buNone/>
             </a:pPr>
-            <a:endParaRPr lang="en-US" altLang="ja-JP" dirty="0">
+            <a:endParaRPr lang="en-US" altLang="ja-JP" sz="3200" dirty="0">
               <a:latin typeface="gg sans"/>
             </a:endParaRPr>
           </a:p>
@@ -6300,17 +6326,17 @@
             <a:pPr marL="0" indent="0">
               <a:buNone/>
             </a:pPr>
-            <a:endParaRPr lang="en-US" altLang="ja-JP" dirty="0"/>
-          </a:p>
-          <a:p>
-            <a:pPr marL="0" indent="0">
-              <a:buNone/>
-            </a:pPr>
-            <a:r>
-              <a:rPr kumimoji="1" lang="ja-JP" altLang="en-US" dirty="0"/>
+            <a:endParaRPr lang="en-US" altLang="ja-JP" sz="3200" dirty="0"/>
+          </a:p>
+          <a:p>
+            <a:pPr marL="0" indent="0">
+              <a:buNone/>
+            </a:pPr>
+            <a:r>
+              <a:rPr kumimoji="1" lang="ja-JP" altLang="en-US" sz="3200" dirty="0"/>
               <a:t>・並び替えクイズ</a:t>
             </a:r>
-            <a:endParaRPr kumimoji="1" lang="en-US" altLang="ja-JP" dirty="0"/>
+            <a:endParaRPr kumimoji="1" lang="en-US" altLang="ja-JP" sz="3200" dirty="0"/>
           </a:p>
           <a:p>
             <a:pPr marL="0" indent="0">
@@ -6706,32 +6732,32 @@
               <a:buNone/>
             </a:pPr>
             <a:r>
-              <a:rPr kumimoji="1" lang="ja-JP" altLang="en-US" dirty="0"/>
+              <a:rPr kumimoji="1" lang="ja-JP" altLang="en-US" sz="3200" dirty="0"/>
               <a:t>・</a:t>
             </a:r>
             <a:r>
-              <a:rPr kumimoji="1" lang="ja-JP" altLang="en-US" dirty="0">
+              <a:rPr kumimoji="1" lang="ja-JP" altLang="en-US" sz="3200" dirty="0">
                 <a:latin typeface="gg sans"/>
               </a:rPr>
               <a:t>大きさ合わせ</a:t>
             </a:r>
-            <a:endParaRPr lang="en-US" altLang="ja-JP" dirty="0"/>
-          </a:p>
-          <a:p>
-            <a:pPr marL="0" indent="0">
-              <a:buNone/>
-            </a:pPr>
-            <a:endParaRPr lang="en-US" altLang="ja-JP" dirty="0"/>
-          </a:p>
-          <a:p>
-            <a:pPr marL="0" indent="0">
-              <a:buNone/>
-            </a:pPr>
-            <a:r>
-              <a:rPr kumimoji="1" lang="ja-JP" altLang="en-US" dirty="0"/>
+            <a:endParaRPr lang="en-US" altLang="ja-JP" sz="3200" dirty="0"/>
+          </a:p>
+          <a:p>
+            <a:pPr marL="0" indent="0">
+              <a:buNone/>
+            </a:pPr>
+            <a:endParaRPr lang="en-US" altLang="ja-JP" sz="3200" dirty="0"/>
+          </a:p>
+          <a:p>
+            <a:pPr marL="0" indent="0">
+              <a:buNone/>
+            </a:pPr>
+            <a:r>
+              <a:rPr kumimoji="1" lang="ja-JP" altLang="en-US" sz="3200" dirty="0"/>
               <a:t>・画像を収める</a:t>
             </a:r>
-            <a:endParaRPr kumimoji="1" lang="en-US" altLang="ja-JP" dirty="0"/>
+            <a:endParaRPr kumimoji="1" lang="en-US" altLang="ja-JP" sz="3200" dirty="0"/>
           </a:p>
           <a:p>
             <a:pPr marL="0" indent="0">
@@ -7271,7 +7297,7 @@
             </a:pPr>
             <a:r>
               <a:rPr kumimoji="1" lang="ja-JP" altLang="en-US" sz="3200" dirty="0"/>
-              <a:t>・実際に少しその操作をしてもらう。</a:t>
+              <a:t>・実際に少しその操作をしてもらう。二、三回程度。</a:t>
             </a:r>
             <a:endParaRPr kumimoji="1" lang="en-US" altLang="ja-JP" sz="3200" dirty="0"/>
           </a:p>
@@ -7281,7 +7307,17 @@
             </a:pPr>
             <a:r>
               <a:rPr lang="ja-JP" altLang="en-US" sz="3200" dirty="0"/>
-              <a:t>　指のアニメーションでその操作がわかるようにする。</a:t>
+              <a:t>　指のイラストをアニメーションさせてどんな操作を</a:t>
+            </a:r>
+            <a:endParaRPr lang="en-US" altLang="ja-JP" sz="3200" dirty="0"/>
+          </a:p>
+          <a:p>
+            <a:pPr marL="0" indent="0">
+              <a:buNone/>
+            </a:pPr>
+            <a:r>
+              <a:rPr lang="ja-JP" altLang="en-US" sz="3200" dirty="0"/>
+              <a:t>すればいいかわかるようにする。</a:t>
             </a:r>
             <a:endParaRPr kumimoji="1" lang="ja-JP" altLang="en-US" sz="3200" dirty="0"/>
           </a:p>

--- a/Etc/企画書/企画書.pptx
+++ b/Etc/企画書/企画書.pptx
@@ -238,7 +238,7 @@
           <a:p>
             <a:fld id="{FE28E92A-AAB7-4FF0-B638-20564BAC1C2A}" type="datetimeFigureOut">
               <a:rPr kumimoji="1" lang="ja-JP" altLang="en-US" smtClean="0"/>
-              <a:t>2023/8/3</a:t>
+              <a:t>2023/8/22</a:t>
             </a:fld>
             <a:endParaRPr kumimoji="1" lang="ja-JP" altLang="en-US"/>
           </a:p>
@@ -754,7 +754,7 @@
           <a:p>
             <a:fld id="{8D310E66-D7B1-4848-AD49-A43B56B18A88}" type="datetimeFigureOut">
               <a:rPr kumimoji="1" lang="ja-JP" altLang="en-US" smtClean="0"/>
-              <a:t>2023/8/3</a:t>
+              <a:t>2023/8/22</a:t>
             </a:fld>
             <a:endParaRPr kumimoji="1" lang="ja-JP" altLang="en-US"/>
           </a:p>
@@ -954,7 +954,7 @@
           <a:p>
             <a:fld id="{8D310E66-D7B1-4848-AD49-A43B56B18A88}" type="datetimeFigureOut">
               <a:rPr kumimoji="1" lang="ja-JP" altLang="en-US" smtClean="0"/>
-              <a:t>2023/8/3</a:t>
+              <a:t>2023/8/22</a:t>
             </a:fld>
             <a:endParaRPr kumimoji="1" lang="ja-JP" altLang="en-US"/>
           </a:p>
@@ -1164,7 +1164,7 @@
           <a:p>
             <a:fld id="{8D310E66-D7B1-4848-AD49-A43B56B18A88}" type="datetimeFigureOut">
               <a:rPr kumimoji="1" lang="ja-JP" altLang="en-US" smtClean="0"/>
-              <a:t>2023/8/3</a:t>
+              <a:t>2023/8/22</a:t>
             </a:fld>
             <a:endParaRPr kumimoji="1" lang="ja-JP" altLang="en-US"/>
           </a:p>
@@ -1364,7 +1364,7 @@
           <a:p>
             <a:fld id="{8D310E66-D7B1-4848-AD49-A43B56B18A88}" type="datetimeFigureOut">
               <a:rPr kumimoji="1" lang="ja-JP" altLang="en-US" smtClean="0"/>
-              <a:t>2023/8/3</a:t>
+              <a:t>2023/8/22</a:t>
             </a:fld>
             <a:endParaRPr kumimoji="1" lang="ja-JP" altLang="en-US"/>
           </a:p>
@@ -1609,7 +1609,7 @@
           <a:p>
             <a:fld id="{8D310E66-D7B1-4848-AD49-A43B56B18A88}" type="datetimeFigureOut">
               <a:rPr kumimoji="1" lang="ja-JP" altLang="en-US" smtClean="0"/>
-              <a:t>2023/8/3</a:t>
+              <a:t>2023/8/22</a:t>
             </a:fld>
             <a:endParaRPr kumimoji="1" lang="ja-JP" altLang="en-US"/>
           </a:p>
@@ -1902,7 +1902,7 @@
           <a:p>
             <a:fld id="{8D310E66-D7B1-4848-AD49-A43B56B18A88}" type="datetimeFigureOut">
               <a:rPr kumimoji="1" lang="ja-JP" altLang="en-US" smtClean="0"/>
-              <a:t>2023/8/3</a:t>
+              <a:t>2023/8/22</a:t>
             </a:fld>
             <a:endParaRPr kumimoji="1" lang="ja-JP" altLang="en-US"/>
           </a:p>
@@ -2330,7 +2330,7 @@
           <a:p>
             <a:fld id="{8D310E66-D7B1-4848-AD49-A43B56B18A88}" type="datetimeFigureOut">
               <a:rPr kumimoji="1" lang="ja-JP" altLang="en-US" smtClean="0"/>
-              <a:t>2023/8/3</a:t>
+              <a:t>2023/8/22</a:t>
             </a:fld>
             <a:endParaRPr kumimoji="1" lang="ja-JP" altLang="en-US"/>
           </a:p>
@@ -2447,7 +2447,7 @@
           <a:p>
             <a:fld id="{8D310E66-D7B1-4848-AD49-A43B56B18A88}" type="datetimeFigureOut">
               <a:rPr kumimoji="1" lang="ja-JP" altLang="en-US" smtClean="0"/>
-              <a:t>2023/8/3</a:t>
+              <a:t>2023/8/22</a:t>
             </a:fld>
             <a:endParaRPr kumimoji="1" lang="ja-JP" altLang="en-US"/>
           </a:p>
@@ -2542,7 +2542,7 @@
           <a:p>
             <a:fld id="{8D310E66-D7B1-4848-AD49-A43B56B18A88}" type="datetimeFigureOut">
               <a:rPr kumimoji="1" lang="ja-JP" altLang="en-US" smtClean="0"/>
-              <a:t>2023/8/3</a:t>
+              <a:t>2023/8/22</a:t>
             </a:fld>
             <a:endParaRPr kumimoji="1" lang="ja-JP" altLang="en-US"/>
           </a:p>
@@ -2849,7 +2849,7 @@
           <a:p>
             <a:fld id="{8D310E66-D7B1-4848-AD49-A43B56B18A88}" type="datetimeFigureOut">
               <a:rPr kumimoji="1" lang="ja-JP" altLang="en-US" smtClean="0"/>
-              <a:t>2023/8/3</a:t>
+              <a:t>2023/8/22</a:t>
             </a:fld>
             <a:endParaRPr kumimoji="1" lang="ja-JP" altLang="en-US"/>
           </a:p>
@@ -3101,7 +3101,7 @@
           <a:p>
             <a:fld id="{8D310E66-D7B1-4848-AD49-A43B56B18A88}" type="datetimeFigureOut">
               <a:rPr kumimoji="1" lang="ja-JP" altLang="en-US" smtClean="0"/>
-              <a:t>2023/8/3</a:t>
+              <a:t>2023/8/22</a:t>
             </a:fld>
             <a:endParaRPr kumimoji="1" lang="ja-JP" altLang="en-US"/>
           </a:p>
@@ -3344,7 +3344,7 @@
           <a:p>
             <a:fld id="{8D310E66-D7B1-4848-AD49-A43B56B18A88}" type="datetimeFigureOut">
               <a:rPr kumimoji="1" lang="ja-JP" altLang="en-US" smtClean="0"/>
-              <a:t>2023/8/3</a:t>
+              <a:t>2023/8/22</a:t>
             </a:fld>
             <a:endParaRPr kumimoji="1" lang="ja-JP" altLang="en-US"/>
           </a:p>
@@ -7376,6 +7376,10 @@
           <a:lstStyle/>
           <a:p>
             <a:pPr algn="ctr"/>
+            <a:r>
+              <a:rPr lang="ja-JP" altLang="en-US" dirty="0"/>
+              <a:t/>
+            </a:r>
             <a:br>
               <a:rPr lang="ja-JP" altLang="en-US" dirty="0"/>
             </a:br>
@@ -7554,8 +7558,8 @@
         </p:nvSpPr>
         <p:spPr>
           <a:xfrm>
-            <a:off x="1864658" y="3594847"/>
-            <a:ext cx="3424517" cy="1371600"/>
+            <a:off x="1864659" y="482219"/>
+            <a:ext cx="3424517" cy="1375349"/>
           </a:xfrm>
           <a:prstGeom prst="rect">
             <a:avLst/>
@@ -7613,8 +7617,8 @@
         </p:nvSpPr>
         <p:spPr>
           <a:xfrm>
-            <a:off x="5495365" y="3012141"/>
-            <a:ext cx="1066800" cy="699247"/>
+            <a:off x="5289176" y="3012141"/>
+            <a:ext cx="1613647" cy="699247"/>
           </a:xfrm>
           <a:prstGeom prst="rightArrow">
             <a:avLst/>
@@ -7641,7 +7645,11 @@
           <a:lstStyle/>
           <a:p>
             <a:pPr algn="ctr"/>
-            <a:endParaRPr kumimoji="1" lang="ja-JP" altLang="en-US"/>
+            <a:r>
+              <a:rPr kumimoji="1" lang="ja-JP" altLang="en-US" dirty="0" smtClean="0"/>
+              <a:t>演出終了</a:t>
+            </a:r>
+            <a:endParaRPr kumimoji="1" lang="ja-JP" altLang="en-US" dirty="0"/>
           </a:p>
         </p:txBody>
       </p:sp>
@@ -7784,6 +7792,37 @@
               <a:rPr kumimoji="1" lang="ja-JP" altLang="en-US" dirty="0"/>
               <a:t>操作スペース</a:t>
             </a:r>
+          </a:p>
+        </p:txBody>
+      </p:sp>
+      <p:sp>
+        <p:nvSpPr>
+          <p:cNvPr id="9" name="テキスト ボックス 8"/>
+          <p:cNvSpPr txBox="1"/>
+          <p:nvPr/>
+        </p:nvSpPr>
+        <p:spPr>
+          <a:xfrm>
+            <a:off x="2533669" y="4280647"/>
+            <a:ext cx="2086495" cy="369332"/>
+          </a:xfrm>
+          <a:prstGeom prst="rect">
+            <a:avLst/>
+          </a:prstGeom>
+          <a:noFill/>
+        </p:spPr>
+        <p:txBody>
+          <a:bodyPr wrap="square" rtlCol="0">
+            <a:spAutoFit/>
+          </a:bodyPr>
+          <a:lstStyle/>
+          <a:p>
+            <a:pPr algn="ctr"/>
+            <a:r>
+              <a:rPr kumimoji="1" lang="ja-JP" altLang="en-US" dirty="0" smtClean="0"/>
+              <a:t>デモ演出</a:t>
+            </a:r>
+            <a:endParaRPr kumimoji="1" lang="ja-JP" altLang="en-US" dirty="0"/>
           </a:p>
         </p:txBody>
       </p:sp>
